--- a/Presentation/ARTProgress-26-05-2022.pptx
+++ b/Presentation/ARTProgress-26-05-2022.pptx
@@ -270,7 +270,7 @@
           <a:p>
             <a:fld id="{954192A1-72B5-4771-9083-04735825C252}" type="datetimeFigureOut">
               <a:rPr lang="en-IN" smtClean="0"/>
-              <a:t>05-05-2022</a:t>
+              <a:t>12-06-2022</a:t>
             </a:fld>
             <a:endParaRPr lang="en-IN"/>
           </a:p>
@@ -470,7 +470,7 @@
           <a:p>
             <a:fld id="{954192A1-72B5-4771-9083-04735825C252}" type="datetimeFigureOut">
               <a:rPr lang="en-IN" smtClean="0"/>
-              <a:t>05-05-2022</a:t>
+              <a:t>12-06-2022</a:t>
             </a:fld>
             <a:endParaRPr lang="en-IN"/>
           </a:p>
@@ -680,7 +680,7 @@
           <a:p>
             <a:fld id="{954192A1-72B5-4771-9083-04735825C252}" type="datetimeFigureOut">
               <a:rPr lang="en-IN" smtClean="0"/>
-              <a:t>05-05-2022</a:t>
+              <a:t>12-06-2022</a:t>
             </a:fld>
             <a:endParaRPr lang="en-IN"/>
           </a:p>
@@ -880,7 +880,7 @@
           <a:p>
             <a:fld id="{954192A1-72B5-4771-9083-04735825C252}" type="datetimeFigureOut">
               <a:rPr lang="en-IN" smtClean="0"/>
-              <a:t>05-05-2022</a:t>
+              <a:t>12-06-2022</a:t>
             </a:fld>
             <a:endParaRPr lang="en-IN"/>
           </a:p>
@@ -1156,7 +1156,7 @@
           <a:p>
             <a:fld id="{954192A1-72B5-4771-9083-04735825C252}" type="datetimeFigureOut">
               <a:rPr lang="en-IN" smtClean="0"/>
-              <a:t>05-05-2022</a:t>
+              <a:t>12-06-2022</a:t>
             </a:fld>
             <a:endParaRPr lang="en-IN"/>
           </a:p>
@@ -1424,7 +1424,7 @@
           <a:p>
             <a:fld id="{954192A1-72B5-4771-9083-04735825C252}" type="datetimeFigureOut">
               <a:rPr lang="en-IN" smtClean="0"/>
-              <a:t>05-05-2022</a:t>
+              <a:t>12-06-2022</a:t>
             </a:fld>
             <a:endParaRPr lang="en-IN"/>
           </a:p>
@@ -1839,7 +1839,7 @@
           <a:p>
             <a:fld id="{954192A1-72B5-4771-9083-04735825C252}" type="datetimeFigureOut">
               <a:rPr lang="en-IN" smtClean="0"/>
-              <a:t>05-05-2022</a:t>
+              <a:t>12-06-2022</a:t>
             </a:fld>
             <a:endParaRPr lang="en-IN"/>
           </a:p>
@@ -1981,7 +1981,7 @@
           <a:p>
             <a:fld id="{954192A1-72B5-4771-9083-04735825C252}" type="datetimeFigureOut">
               <a:rPr lang="en-IN" smtClean="0"/>
-              <a:t>05-05-2022</a:t>
+              <a:t>12-06-2022</a:t>
             </a:fld>
             <a:endParaRPr lang="en-IN"/>
           </a:p>
@@ -2094,7 +2094,7 @@
           <a:p>
             <a:fld id="{954192A1-72B5-4771-9083-04735825C252}" type="datetimeFigureOut">
               <a:rPr lang="en-IN" smtClean="0"/>
-              <a:t>05-05-2022</a:t>
+              <a:t>12-06-2022</a:t>
             </a:fld>
             <a:endParaRPr lang="en-IN"/>
           </a:p>
@@ -2407,7 +2407,7 @@
           <a:p>
             <a:fld id="{954192A1-72B5-4771-9083-04735825C252}" type="datetimeFigureOut">
               <a:rPr lang="en-IN" smtClean="0"/>
-              <a:t>05-05-2022</a:t>
+              <a:t>12-06-2022</a:t>
             </a:fld>
             <a:endParaRPr lang="en-IN"/>
           </a:p>
@@ -2696,7 +2696,7 @@
           <a:p>
             <a:fld id="{954192A1-72B5-4771-9083-04735825C252}" type="datetimeFigureOut">
               <a:rPr lang="en-IN" smtClean="0"/>
-              <a:t>05-05-2022</a:t>
+              <a:t>12-06-2022</a:t>
             </a:fld>
             <a:endParaRPr lang="en-IN"/>
           </a:p>
@@ -2939,7 +2939,7 @@
           <a:p>
             <a:fld id="{954192A1-72B5-4771-9083-04735825C252}" type="datetimeFigureOut">
               <a:rPr lang="en-IN" smtClean="0"/>
-              <a:t>05-05-2022</a:t>
+              <a:t>12-06-2022</a:t>
             </a:fld>
             <a:endParaRPr lang="en-IN"/>
           </a:p>
@@ -5245,8 +5245,8 @@
           </a:prstGeom>
         </p:spPr>
       </p:pic>
-      <mc:AlternateContent xmlns:mc="http://schemas.openxmlformats.org/markup-compatibility/2006">
-        <mc:Choice xmlns:a14="http://schemas.microsoft.com/office/drawing/2010/main" Requires="a14">
+      <mc:AlternateContent xmlns:mc="http://schemas.openxmlformats.org/markup-compatibility/2006" xmlns:a14="http://schemas.microsoft.com/office/drawing/2010/main">
+        <mc:Choice Requires="a14">
           <p:sp>
             <p:nvSpPr>
               <p:cNvPr id="5" name="TextBox 4">
@@ -5301,7 +5301,7 @@
             </p:txBody>
           </p:sp>
         </mc:Choice>
-        <mc:Fallback>
+        <mc:Fallback xmlns="">
           <p:sp>
             <p:nvSpPr>
               <p:cNvPr id="5" name="TextBox 4">
